--- a/intel_IP/IRIS/HW_IP/Interface/I2C/V1/I2C_EEPROM.pptx
+++ b/intel_IP/IRIS/HW_IP/Interface/I2C/V1/I2C_EEPROM.pptx
@@ -14,10 +14,13 @@
     <p:sldId id="265" r:id="rId8"/>
     <p:sldId id="263" r:id="rId9"/>
     <p:sldId id="261" r:id="rId10"/>
-    <p:sldId id="262" r:id="rId11"/>
-    <p:sldId id="267" r:id="rId12"/>
-    <p:sldId id="266" r:id="rId13"/>
-    <p:sldId id="268" r:id="rId14"/>
+    <p:sldId id="269" r:id="rId11"/>
+    <p:sldId id="262" r:id="rId12"/>
+    <p:sldId id="267" r:id="rId13"/>
+    <p:sldId id="270" r:id="rId14"/>
+    <p:sldId id="266" r:id="rId15"/>
+    <p:sldId id="268" r:id="rId16"/>
+    <p:sldId id="271" r:id="rId17"/>
   </p:sldIdLst>
   <p:sldSz cx="12192000" cy="6858000"/>
   <p:notesSz cx="6858000" cy="9144000"/>
@@ -591,7 +594,7 @@
           <a:p>
             <a:fld id="{3DA1BA2C-5760-49A1-B02E-16886E01D598}" type="datetimeFigureOut">
               <a:rPr lang="zh-TW" altLang="en-US" smtClean="0"/>
-              <a:t>2025/5/19</a:t>
+              <a:t>2025/5/20</a:t>
             </a:fld>
             <a:endParaRPr lang="zh-TW" altLang="en-US"/>
           </a:p>
@@ -789,7 +792,7 @@
           <a:p>
             <a:fld id="{3DA1BA2C-5760-49A1-B02E-16886E01D598}" type="datetimeFigureOut">
               <a:rPr lang="zh-TW" altLang="en-US" smtClean="0"/>
-              <a:t>2025/5/19</a:t>
+              <a:t>2025/5/20</a:t>
             </a:fld>
             <a:endParaRPr lang="zh-TW" altLang="en-US"/>
           </a:p>
@@ -997,7 +1000,7 @@
           <a:p>
             <a:fld id="{3DA1BA2C-5760-49A1-B02E-16886E01D598}" type="datetimeFigureOut">
               <a:rPr lang="zh-TW" altLang="en-US" smtClean="0"/>
-              <a:t>2025/5/19</a:t>
+              <a:t>2025/5/20</a:t>
             </a:fld>
             <a:endParaRPr lang="zh-TW" altLang="en-US"/>
           </a:p>
@@ -1195,7 +1198,7 @@
           <a:p>
             <a:fld id="{3DA1BA2C-5760-49A1-B02E-16886E01D598}" type="datetimeFigureOut">
               <a:rPr lang="zh-TW" altLang="en-US" smtClean="0"/>
-              <a:t>2025/5/19</a:t>
+              <a:t>2025/5/20</a:t>
             </a:fld>
             <a:endParaRPr lang="zh-TW" altLang="en-US"/>
           </a:p>
@@ -1470,7 +1473,7 @@
           <a:p>
             <a:fld id="{3DA1BA2C-5760-49A1-B02E-16886E01D598}" type="datetimeFigureOut">
               <a:rPr lang="zh-TW" altLang="en-US" smtClean="0"/>
-              <a:t>2025/5/19</a:t>
+              <a:t>2025/5/20</a:t>
             </a:fld>
             <a:endParaRPr lang="zh-TW" altLang="en-US"/>
           </a:p>
@@ -1735,7 +1738,7 @@
           <a:p>
             <a:fld id="{3DA1BA2C-5760-49A1-B02E-16886E01D598}" type="datetimeFigureOut">
               <a:rPr lang="zh-TW" altLang="en-US" smtClean="0"/>
-              <a:t>2025/5/19</a:t>
+              <a:t>2025/5/20</a:t>
             </a:fld>
             <a:endParaRPr lang="zh-TW" altLang="en-US"/>
           </a:p>
@@ -2147,7 +2150,7 @@
           <a:p>
             <a:fld id="{3DA1BA2C-5760-49A1-B02E-16886E01D598}" type="datetimeFigureOut">
               <a:rPr lang="zh-TW" altLang="en-US" smtClean="0"/>
-              <a:t>2025/5/19</a:t>
+              <a:t>2025/5/20</a:t>
             </a:fld>
             <a:endParaRPr lang="zh-TW" altLang="en-US"/>
           </a:p>
@@ -2288,7 +2291,7 @@
           <a:p>
             <a:fld id="{3DA1BA2C-5760-49A1-B02E-16886E01D598}" type="datetimeFigureOut">
               <a:rPr lang="zh-TW" altLang="en-US" smtClean="0"/>
-              <a:t>2025/5/19</a:t>
+              <a:t>2025/5/20</a:t>
             </a:fld>
             <a:endParaRPr lang="zh-TW" altLang="en-US"/>
           </a:p>
@@ -2401,7 +2404,7 @@
           <a:p>
             <a:fld id="{3DA1BA2C-5760-49A1-B02E-16886E01D598}" type="datetimeFigureOut">
               <a:rPr lang="zh-TW" altLang="en-US" smtClean="0"/>
-              <a:t>2025/5/19</a:t>
+              <a:t>2025/5/20</a:t>
             </a:fld>
             <a:endParaRPr lang="zh-TW" altLang="en-US"/>
           </a:p>
@@ -2712,7 +2715,7 @@
           <a:p>
             <a:fld id="{3DA1BA2C-5760-49A1-B02E-16886E01D598}" type="datetimeFigureOut">
               <a:rPr lang="zh-TW" altLang="en-US" smtClean="0"/>
-              <a:t>2025/5/19</a:t>
+              <a:t>2025/5/20</a:t>
             </a:fld>
             <a:endParaRPr lang="zh-TW" altLang="en-US"/>
           </a:p>
@@ -3000,7 +3003,7 @@
           <a:p>
             <a:fld id="{3DA1BA2C-5760-49A1-B02E-16886E01D598}" type="datetimeFigureOut">
               <a:rPr lang="zh-TW" altLang="en-US" smtClean="0"/>
-              <a:t>2025/5/19</a:t>
+              <a:t>2025/5/20</a:t>
             </a:fld>
             <a:endParaRPr lang="zh-TW" altLang="en-US"/>
           </a:p>
@@ -3241,7 +3244,7 @@
           <a:p>
             <a:fld id="{3DA1BA2C-5760-49A1-B02E-16886E01D598}" type="datetimeFigureOut">
               <a:rPr lang="zh-TW" altLang="en-US" smtClean="0"/>
-              <a:t>2025/5/19</a:t>
+              <a:t>2025/5/20</a:t>
             </a:fld>
             <a:endParaRPr lang="zh-TW" altLang="en-US"/>
           </a:p>
@@ -3885,6 +3888,101 @@
   <p:cSld>
     <p:spTree>
       <p:nvGrpSpPr>
+        <p:cNvPr id="1" name=""/>
+        <p:cNvGrpSpPr/>
+        <p:nvPr/>
+      </p:nvGrpSpPr>
+      <p:grpSpPr>
+        <a:xfrm>
+          <a:off x="0" y="0"/>
+          <a:ext cx="0" cy="0"/>
+          <a:chOff x="0" y="0"/>
+          <a:chExt cx="0" cy="0"/>
+        </a:xfrm>
+      </p:grpSpPr>
+      <p:pic>
+        <p:nvPicPr>
+          <p:cNvPr id="5" name="內容版面配置區 4">
+            <a:extLst>
+              <a:ext uri="{FF2B5EF4-FFF2-40B4-BE49-F238E27FC236}">
+                <a16:creationId xmlns:a16="http://schemas.microsoft.com/office/drawing/2014/main" id="{3B10AD0A-4C04-DAD9-E0EE-AF700ABD552F}"/>
+              </a:ext>
+            </a:extLst>
+          </p:cNvPr>
+          <p:cNvPicPr>
+            <a:picLocks noGrp="1" noChangeAspect="1"/>
+          </p:cNvPicPr>
+          <p:nvPr>
+            <p:ph idx="1"/>
+          </p:nvPr>
+        </p:nvPicPr>
+        <p:blipFill>
+          <a:blip r:embed="rId2"/>
+          <a:stretch>
+            <a:fillRect/>
+          </a:stretch>
+        </p:blipFill>
+        <p:spPr>
+          <a:xfrm>
+            <a:off x="3586520" y="2200562"/>
+            <a:ext cx="4484967" cy="3387437"/>
+          </a:xfrm>
+        </p:spPr>
+      </p:pic>
+      <p:sp>
+        <p:nvSpPr>
+          <p:cNvPr id="6" name="文字方塊 5">
+            <a:extLst>
+              <a:ext uri="{FF2B5EF4-FFF2-40B4-BE49-F238E27FC236}">
+                <a16:creationId xmlns:a16="http://schemas.microsoft.com/office/drawing/2014/main" id="{D8E1FD27-1C2A-D224-5348-B14024283769}"/>
+              </a:ext>
+            </a:extLst>
+          </p:cNvPr>
+          <p:cNvSpPr txBox="1"/>
+          <p:nvPr/>
+        </p:nvSpPr>
+        <p:spPr>
+          <a:xfrm>
+            <a:off x="132936" y="151512"/>
+            <a:ext cx="1681294" cy="369332"/>
+          </a:xfrm>
+          <a:prstGeom prst="rect">
+            <a:avLst/>
+          </a:prstGeom>
+          <a:noFill/>
+        </p:spPr>
+        <p:txBody>
+          <a:bodyPr wrap="none" rtlCol="0">
+            <a:spAutoFit/>
+          </a:bodyPr>
+          <a:lstStyle/>
+          <a:p>
+            <a:r>
+              <a:rPr lang="en-US" altLang="zh-TW" u="sng" dirty="0"/>
+              <a:t>Nios2 R/W Test</a:t>
+            </a:r>
+            <a:endParaRPr lang="zh-TW" altLang="en-US" u="sng" dirty="0"/>
+          </a:p>
+        </p:txBody>
+      </p:sp>
+    </p:spTree>
+    <p:extLst>
+      <p:ext uri="{BB962C8B-B14F-4D97-AF65-F5344CB8AC3E}">
+        <p14:creationId xmlns:p14="http://schemas.microsoft.com/office/powerpoint/2010/main" val="1253408307"/>
+      </p:ext>
+    </p:extLst>
+  </p:cSld>
+  <p:clrMapOvr>
+    <a:masterClrMapping/>
+  </p:clrMapOvr>
+</p:sld>
+</file>
+
+<file path=ppt/slides/slide11.xml><?xml version="1.0" encoding="utf-8"?>
+<p:sld xmlns:a="http://schemas.openxmlformats.org/drawingml/2006/main" xmlns:r="http://schemas.openxmlformats.org/officeDocument/2006/relationships" xmlns:p="http://schemas.openxmlformats.org/presentationml/2006/main">
+  <p:cSld>
+    <p:spTree>
+      <p:nvGrpSpPr>
         <p:cNvPr id="1" name="">
           <a:extLst>
             <a:ext uri="{FF2B5EF4-FFF2-40B4-BE49-F238E27FC236}">
@@ -3905,10 +4003,10 @@
       </p:grpSpPr>
       <p:pic>
         <p:nvPicPr>
-          <p:cNvPr id="14" name="圖片 13">
-            <a:extLst>
-              <a:ext uri="{FF2B5EF4-FFF2-40B4-BE49-F238E27FC236}">
-                <a16:creationId xmlns:a16="http://schemas.microsoft.com/office/drawing/2014/main" id="{86AC063D-AD18-E931-D0C5-90778B5B87DC}"/>
+          <p:cNvPr id="9" name="圖片 8">
+            <a:extLst>
+              <a:ext uri="{FF2B5EF4-FFF2-40B4-BE49-F238E27FC236}">
+                <a16:creationId xmlns:a16="http://schemas.microsoft.com/office/drawing/2014/main" id="{13F917A5-0857-DCEA-BE42-42B655AC70A5}"/>
               </a:ext>
             </a:extLst>
           </p:cNvPr>
@@ -3925,8 +4023,8 @@
         </p:blipFill>
         <p:spPr>
           <a:xfrm>
-            <a:off x="-76200" y="1146682"/>
-            <a:ext cx="12192000" cy="2142975"/>
+            <a:off x="0" y="647414"/>
+            <a:ext cx="12192000" cy="3327571"/>
           </a:xfrm>
           <a:prstGeom prst="rect">
             <a:avLst/>
@@ -3983,7 +4081,7 @@
         </p:nvSpPr>
         <p:spPr>
           <a:xfrm>
-            <a:off x="304800" y="3915495"/>
+            <a:off x="221673" y="4284950"/>
             <a:ext cx="4511748" cy="830997"/>
           </a:xfrm>
           <a:prstGeom prst="rect">
@@ -4130,7 +4228,7 @@
         </p:nvSpPr>
         <p:spPr>
           <a:xfrm>
-            <a:off x="5925600" y="1807200"/>
+            <a:off x="5934000" y="1303200"/>
             <a:ext cx="324000" cy="504000"/>
           </a:xfrm>
           <a:prstGeom prst="ellipse">
@@ -4183,7 +4281,7 @@
         </p:nvSpPr>
         <p:spPr>
           <a:xfrm>
-            <a:off x="10850400" y="1807200"/>
+            <a:off x="11774036" y="1315351"/>
             <a:ext cx="324000" cy="504000"/>
           </a:xfrm>
           <a:prstGeom prst="ellipse">
@@ -4236,7 +4334,7 @@
         </p:nvSpPr>
         <p:spPr>
           <a:xfrm>
-            <a:off x="5260931" y="2208644"/>
+            <a:off x="5269331" y="1704644"/>
             <a:ext cx="664669" cy="369332"/>
           </a:xfrm>
           <a:prstGeom prst="rect">
@@ -4280,7 +4378,7 @@
         </p:nvSpPr>
         <p:spPr>
           <a:xfrm>
-            <a:off x="11174400" y="2196493"/>
+            <a:off x="11203331" y="1937784"/>
             <a:ext cx="645177" cy="369332"/>
           </a:xfrm>
           <a:prstGeom prst="rect">
@@ -4323,7 +4421,7 @@
 </p:sld>
 </file>
 
-<file path=ppt/slides/slide11.xml><?xml version="1.0" encoding="utf-8"?>
+<file path=ppt/slides/slide12.xml><?xml version="1.0" encoding="utf-8"?>
 <p:sld xmlns:a="http://schemas.openxmlformats.org/drawingml/2006/main" xmlns:r="http://schemas.openxmlformats.org/officeDocument/2006/relationships" xmlns:p="http://schemas.openxmlformats.org/presentationml/2006/main">
   <p:cSld>
     <p:spTree>
@@ -4342,10 +4440,10 @@
       </p:grpSpPr>
       <p:pic>
         <p:nvPicPr>
-          <p:cNvPr id="10" name="圖片 9">
-            <a:extLst>
-              <a:ext uri="{FF2B5EF4-FFF2-40B4-BE49-F238E27FC236}">
-                <a16:creationId xmlns:a16="http://schemas.microsoft.com/office/drawing/2014/main" id="{7028D9B0-9C22-163F-E2F5-EDC75FE292EF}"/>
+          <p:cNvPr id="7" name="圖片 6">
+            <a:extLst>
+              <a:ext uri="{FF2B5EF4-FFF2-40B4-BE49-F238E27FC236}">
+                <a16:creationId xmlns:a16="http://schemas.microsoft.com/office/drawing/2014/main" id="{C6E3C5EF-6BEF-9DCA-0C14-015C4CA6593B}"/>
               </a:ext>
             </a:extLst>
           </p:cNvPr>
@@ -4362,38 +4460,8 @@
         </p:blipFill>
         <p:spPr>
           <a:xfrm>
-            <a:off x="0" y="1131159"/>
-            <a:ext cx="12192000" cy="2034405"/>
-          </a:xfrm>
-          <a:prstGeom prst="rect">
-            <a:avLst/>
-          </a:prstGeom>
-        </p:spPr>
-      </p:pic>
-      <p:pic>
-        <p:nvPicPr>
-          <p:cNvPr id="12" name="圖片 11">
-            <a:extLst>
-              <a:ext uri="{FF2B5EF4-FFF2-40B4-BE49-F238E27FC236}">
-                <a16:creationId xmlns:a16="http://schemas.microsoft.com/office/drawing/2014/main" id="{79606DD5-44E6-991B-EDBC-36A7755306EE}"/>
-              </a:ext>
-            </a:extLst>
-          </p:cNvPr>
-          <p:cNvPicPr>
-            <a:picLocks noChangeAspect="1"/>
-          </p:cNvPicPr>
-          <p:nvPr/>
-        </p:nvPicPr>
-        <p:blipFill>
-          <a:blip r:embed="rId3"/>
-          <a:stretch>
-            <a:fillRect/>
-          </a:stretch>
-        </p:blipFill>
-        <p:spPr>
-          <a:xfrm>
-            <a:off x="0" y="3429000"/>
-            <a:ext cx="10431331" cy="2695951"/>
+            <a:off x="0" y="3484660"/>
+            <a:ext cx="8642287" cy="3266377"/>
           </a:xfrm>
           <a:prstGeom prst="rect">
             <a:avLst/>
@@ -4452,13 +4520,14 @@
         </p:nvCxnSpPr>
         <p:spPr>
           <a:xfrm>
-            <a:off x="8013600" y="3672000"/>
-            <a:ext cx="0" cy="2292441"/>
+            <a:off x="7708800" y="4160520"/>
+            <a:ext cx="0" cy="2367339"/>
           </a:xfrm>
           <a:prstGeom prst="straightConnector1">
             <a:avLst/>
           </a:prstGeom>
           <a:ln>
+            <a:prstDash val="sysDash"/>
             <a:tailEnd type="triangle"/>
           </a:ln>
         </p:spPr>
@@ -4477,6 +4546,36 @@
           </a:fontRef>
         </p:style>
       </p:cxnSp>
+      <p:pic>
+        <p:nvPicPr>
+          <p:cNvPr id="13" name="圖片 12">
+            <a:extLst>
+              <a:ext uri="{FF2B5EF4-FFF2-40B4-BE49-F238E27FC236}">
+                <a16:creationId xmlns:a16="http://schemas.microsoft.com/office/drawing/2014/main" id="{2E46893A-3DAE-3AE3-87B8-584180905718}"/>
+              </a:ext>
+            </a:extLst>
+          </p:cNvPr>
+          <p:cNvPicPr>
+            <a:picLocks noChangeAspect="1"/>
+          </p:cNvPicPr>
+          <p:nvPr/>
+        </p:nvPicPr>
+        <p:blipFill>
+          <a:blip r:embed="rId3"/>
+          <a:stretch>
+            <a:fillRect/>
+          </a:stretch>
+        </p:blipFill>
+        <p:spPr>
+          <a:xfrm>
+            <a:off x="0" y="576504"/>
+            <a:ext cx="12192000" cy="2852496"/>
+          </a:xfrm>
+          <a:prstGeom prst="rect">
+            <a:avLst/>
+          </a:prstGeom>
+        </p:spPr>
+      </p:pic>
     </p:spTree>
     <p:extLst>
       <p:ext uri="{BB962C8B-B14F-4D97-AF65-F5344CB8AC3E}">
@@ -4490,7 +4589,110 @@
 </p:sld>
 </file>
 
-<file path=ppt/slides/slide12.xml><?xml version="1.0" encoding="utf-8"?>
+<file path=ppt/slides/slide13.xml><?xml version="1.0" encoding="utf-8"?>
+<p:sld xmlns:a="http://schemas.openxmlformats.org/drawingml/2006/main" xmlns:r="http://schemas.openxmlformats.org/officeDocument/2006/relationships" xmlns:p="http://schemas.openxmlformats.org/presentationml/2006/main">
+  <p:cSld>
+    <p:spTree>
+      <p:nvGrpSpPr>
+        <p:cNvPr id="1" name=""/>
+        <p:cNvGrpSpPr/>
+        <p:nvPr/>
+      </p:nvGrpSpPr>
+      <p:grpSpPr>
+        <a:xfrm>
+          <a:off x="0" y="0"/>
+          <a:ext cx="0" cy="0"/>
+          <a:chOff x="0" y="0"/>
+          <a:chExt cx="0" cy="0"/>
+        </a:xfrm>
+      </p:grpSpPr>
+      <p:pic>
+        <p:nvPicPr>
+          <p:cNvPr id="5" name="內容版面配置區 4">
+            <a:extLst>
+              <a:ext uri="{FF2B5EF4-FFF2-40B4-BE49-F238E27FC236}">
+                <a16:creationId xmlns:a16="http://schemas.microsoft.com/office/drawing/2014/main" id="{96BBE4F1-056A-2D3D-F316-EBB563FF38A8}"/>
+              </a:ext>
+            </a:extLst>
+          </p:cNvPr>
+          <p:cNvPicPr>
+            <a:picLocks noGrp="1" noChangeAspect="1"/>
+          </p:cNvPicPr>
+          <p:nvPr>
+            <p:ph idx="1"/>
+          </p:nvPr>
+        </p:nvPicPr>
+        <p:blipFill>
+          <a:blip r:embed="rId2"/>
+          <a:stretch>
+            <a:fillRect/>
+          </a:stretch>
+        </p:blipFill>
+        <p:spPr>
+          <a:xfrm>
+            <a:off x="440028" y="1059006"/>
+            <a:ext cx="11455991" cy="5277139"/>
+          </a:xfrm>
+        </p:spPr>
+      </p:pic>
+      <p:sp>
+        <p:nvSpPr>
+          <p:cNvPr id="6" name="文字方塊 5">
+            <a:extLst>
+              <a:ext uri="{FF2B5EF4-FFF2-40B4-BE49-F238E27FC236}">
+                <a16:creationId xmlns:a16="http://schemas.microsoft.com/office/drawing/2014/main" id="{C1E971A1-0300-E6A8-1D09-88C6D786906D}"/>
+              </a:ext>
+            </a:extLst>
+          </p:cNvPr>
+          <p:cNvSpPr txBox="1"/>
+          <p:nvPr/>
+        </p:nvSpPr>
+        <p:spPr>
+          <a:xfrm>
+            <a:off x="132936" y="151512"/>
+            <a:ext cx="2375522" cy="369332"/>
+          </a:xfrm>
+          <a:prstGeom prst="rect">
+            <a:avLst/>
+          </a:prstGeom>
+          <a:noFill/>
+        </p:spPr>
+        <p:txBody>
+          <a:bodyPr wrap="none" rtlCol="0">
+            <a:spAutoFit/>
+          </a:bodyPr>
+          <a:lstStyle/>
+          <a:p>
+            <a:r>
+              <a:rPr lang="en-US" altLang="zh-TW" u="sng" dirty="0"/>
+              <a:t>Write Test </a:t>
+            </a:r>
+            <a:r>
+              <a:rPr lang="en-US" altLang="zh-TW" u="sng" dirty="0" err="1"/>
+              <a:t>Osc</a:t>
+            </a:r>
+            <a:r>
+              <a:rPr lang="en-US" altLang="zh-TW" u="sng" dirty="0"/>
+              <a:t>. scope </a:t>
+            </a:r>
+            <a:endParaRPr lang="zh-TW" altLang="en-US" u="sng" dirty="0"/>
+          </a:p>
+        </p:txBody>
+      </p:sp>
+    </p:spTree>
+    <p:extLst>
+      <p:ext uri="{BB962C8B-B14F-4D97-AF65-F5344CB8AC3E}">
+        <p14:creationId xmlns:p14="http://schemas.microsoft.com/office/powerpoint/2010/main" val="2369349970"/>
+      </p:ext>
+    </p:extLst>
+  </p:cSld>
+  <p:clrMapOvr>
+    <a:masterClrMapping/>
+  </p:clrMapOvr>
+</p:sld>
+</file>
+
+<file path=ppt/slides/slide14.xml><?xml version="1.0" encoding="utf-8"?>
 <p:sld xmlns:a="http://schemas.openxmlformats.org/drawingml/2006/main" xmlns:r="http://schemas.openxmlformats.org/officeDocument/2006/relationships" xmlns:p="http://schemas.openxmlformats.org/presentationml/2006/main">
   <p:cSld>
     <p:spTree>
@@ -4515,10 +4717,10 @@
       </p:grpSpPr>
       <p:pic>
         <p:nvPicPr>
-          <p:cNvPr id="5" name="圖片 4">
-            <a:extLst>
-              <a:ext uri="{FF2B5EF4-FFF2-40B4-BE49-F238E27FC236}">
-                <a16:creationId xmlns:a16="http://schemas.microsoft.com/office/drawing/2014/main" id="{003B3A7C-4535-8465-14C2-6E29192110D2}"/>
+          <p:cNvPr id="7" name="圖片 6">
+            <a:extLst>
+              <a:ext uri="{FF2B5EF4-FFF2-40B4-BE49-F238E27FC236}">
+                <a16:creationId xmlns:a16="http://schemas.microsoft.com/office/drawing/2014/main" id="{3DF62A55-A532-3F91-8669-5C68684E71E7}"/>
               </a:ext>
             </a:extLst>
           </p:cNvPr>
@@ -4535,8 +4737,8 @@
         </p:blipFill>
         <p:spPr>
           <a:xfrm>
-            <a:off x="0" y="1099005"/>
-            <a:ext cx="12192000" cy="1920377"/>
+            <a:off x="0" y="630799"/>
+            <a:ext cx="12192000" cy="3174740"/>
           </a:xfrm>
           <a:prstGeom prst="rect">
             <a:avLst/>
@@ -4593,7 +4795,7 @@
         </p:nvSpPr>
         <p:spPr>
           <a:xfrm>
-            <a:off x="304800" y="3915495"/>
+            <a:off x="238125" y="4017593"/>
             <a:ext cx="4592411" cy="830997"/>
           </a:xfrm>
           <a:prstGeom prst="rect">
@@ -4740,7 +4942,7 @@
         </p:nvSpPr>
         <p:spPr>
           <a:xfrm>
-            <a:off x="4430175" y="1673850"/>
+            <a:off x="5501593" y="1418716"/>
             <a:ext cx="324000" cy="504000"/>
           </a:xfrm>
           <a:prstGeom prst="ellipse">
@@ -4793,7 +4995,7 @@
         </p:nvSpPr>
         <p:spPr>
           <a:xfrm>
-            <a:off x="6624563" y="1673850"/>
+            <a:off x="8086613" y="1418716"/>
             <a:ext cx="166762" cy="504000"/>
           </a:xfrm>
           <a:prstGeom prst="ellipse">
@@ -4846,7 +5048,7 @@
         </p:nvSpPr>
         <p:spPr>
           <a:xfrm>
-            <a:off x="6462563" y="1555193"/>
+            <a:off x="7917983" y="1395856"/>
             <a:ext cx="109687" cy="504000"/>
           </a:xfrm>
           <a:prstGeom prst="ellipse">
@@ -4899,7 +5101,7 @@
         </p:nvSpPr>
         <p:spPr>
           <a:xfrm>
-            <a:off x="9767738" y="1673850"/>
+            <a:off x="11969349" y="1390712"/>
             <a:ext cx="166762" cy="504000"/>
           </a:xfrm>
           <a:prstGeom prst="ellipse">
@@ -4951,7 +5153,7 @@
 </p:sld>
 </file>
 
-<file path=ppt/slides/slide13.xml><?xml version="1.0" encoding="utf-8"?>
+<file path=ppt/slides/slide15.xml><?xml version="1.0" encoding="utf-8"?>
 <p:sld xmlns:a="http://schemas.openxmlformats.org/drawingml/2006/main" xmlns:r="http://schemas.openxmlformats.org/officeDocument/2006/relationships" xmlns:p="http://schemas.openxmlformats.org/presentationml/2006/main">
   <p:cSld>
     <p:spTree>
@@ -4970,10 +5172,10 @@
       </p:grpSpPr>
       <p:pic>
         <p:nvPicPr>
-          <p:cNvPr id="8" name="圖片 7">
-            <a:extLst>
-              <a:ext uri="{FF2B5EF4-FFF2-40B4-BE49-F238E27FC236}">
-                <a16:creationId xmlns:a16="http://schemas.microsoft.com/office/drawing/2014/main" id="{6938926A-6B66-3670-E65C-8E8E96A4FBFC}"/>
+          <p:cNvPr id="7" name="圖片 6">
+            <a:extLst>
+              <a:ext uri="{FF2B5EF4-FFF2-40B4-BE49-F238E27FC236}">
+                <a16:creationId xmlns:a16="http://schemas.microsoft.com/office/drawing/2014/main" id="{397E661A-128A-423C-8B87-C5710BB21987}"/>
               </a:ext>
             </a:extLst>
           </p:cNvPr>
@@ -4990,38 +5192,8 @@
         </p:blipFill>
         <p:spPr>
           <a:xfrm>
-            <a:off x="0" y="1079746"/>
-            <a:ext cx="12192000" cy="2097708"/>
-          </a:xfrm>
-          <a:prstGeom prst="rect">
-            <a:avLst/>
-          </a:prstGeom>
-        </p:spPr>
-      </p:pic>
-      <p:pic>
-        <p:nvPicPr>
-          <p:cNvPr id="10" name="圖片 9">
-            <a:extLst>
-              <a:ext uri="{FF2B5EF4-FFF2-40B4-BE49-F238E27FC236}">
-                <a16:creationId xmlns:a16="http://schemas.microsoft.com/office/drawing/2014/main" id="{0756F372-DEF5-16AB-82A8-D1E2867BBBE4}"/>
-              </a:ext>
-            </a:extLst>
-          </p:cNvPr>
-          <p:cNvPicPr>
-            <a:picLocks noChangeAspect="1"/>
-          </p:cNvPicPr>
-          <p:nvPr/>
-        </p:nvPicPr>
-        <p:blipFill>
-          <a:blip r:embed="rId3"/>
-          <a:stretch>
-            <a:fillRect/>
-          </a:stretch>
-        </p:blipFill>
-        <p:spPr>
-          <a:xfrm>
-            <a:off x="0" y="3800811"/>
-            <a:ext cx="12192000" cy="2207444"/>
+            <a:off x="0" y="3572605"/>
+            <a:ext cx="10724348" cy="3285395"/>
           </a:xfrm>
           <a:prstGeom prst="rect">
             <a:avLst/>
@@ -5064,12 +5236,42 @@
           </a:p>
         </p:txBody>
       </p:sp>
+      <p:pic>
+        <p:nvPicPr>
+          <p:cNvPr id="5" name="圖片 4">
+            <a:extLst>
+              <a:ext uri="{FF2B5EF4-FFF2-40B4-BE49-F238E27FC236}">
+                <a16:creationId xmlns:a16="http://schemas.microsoft.com/office/drawing/2014/main" id="{8F026429-9A95-2F64-2DA4-07F030A7329E}"/>
+              </a:ext>
+            </a:extLst>
+          </p:cNvPr>
+          <p:cNvPicPr>
+            <a:picLocks noChangeAspect="1"/>
+          </p:cNvPicPr>
+          <p:nvPr/>
+        </p:nvPicPr>
+        <p:blipFill>
+          <a:blip r:embed="rId3"/>
+          <a:stretch>
+            <a:fillRect/>
+          </a:stretch>
+        </p:blipFill>
+        <p:spPr>
+          <a:xfrm>
+            <a:off x="0" y="578762"/>
+            <a:ext cx="12192000" cy="2905007"/>
+          </a:xfrm>
+          <a:prstGeom prst="rect">
+            <a:avLst/>
+          </a:prstGeom>
+        </p:spPr>
+      </p:pic>
       <p:cxnSp>
         <p:nvCxnSpPr>
-          <p:cNvPr id="3" name="直線單箭頭接點 2">
-            <a:extLst>
-              <a:ext uri="{FF2B5EF4-FFF2-40B4-BE49-F238E27FC236}">
-                <a16:creationId xmlns:a16="http://schemas.microsoft.com/office/drawing/2014/main" id="{38E2A129-6BA5-1EAE-0267-858937B20749}"/>
+          <p:cNvPr id="9" name="直線單箭頭接點 8">
+            <a:extLst>
+              <a:ext uri="{FF2B5EF4-FFF2-40B4-BE49-F238E27FC236}">
+                <a16:creationId xmlns:a16="http://schemas.microsoft.com/office/drawing/2014/main" id="{81F9D665-A53E-E831-1ECC-EDF7E8FA01A6}"/>
               </a:ext>
             </a:extLst>
           </p:cNvPr>
@@ -5080,13 +5282,14 @@
         </p:nvCxnSpPr>
         <p:spPr>
           <a:xfrm>
-            <a:off x="9423300" y="3589450"/>
-            <a:ext cx="0" cy="2292441"/>
+            <a:off x="9288218" y="4308302"/>
+            <a:ext cx="0" cy="2367339"/>
           </a:xfrm>
           <a:prstGeom prst="straightConnector1">
             <a:avLst/>
           </a:prstGeom>
           <a:ln>
+            <a:prstDash val="sysDash"/>
             <a:tailEnd type="triangle"/>
           </a:ln>
         </p:spPr>
@@ -5109,6 +5312,109 @@
     <p:extLst>
       <p:ext uri="{BB962C8B-B14F-4D97-AF65-F5344CB8AC3E}">
         <p14:creationId xmlns:p14="http://schemas.microsoft.com/office/powerpoint/2010/main" val="4089838821"/>
+      </p:ext>
+    </p:extLst>
+  </p:cSld>
+  <p:clrMapOvr>
+    <a:masterClrMapping/>
+  </p:clrMapOvr>
+</p:sld>
+</file>
+
+<file path=ppt/slides/slide16.xml><?xml version="1.0" encoding="utf-8"?>
+<p:sld xmlns:a="http://schemas.openxmlformats.org/drawingml/2006/main" xmlns:r="http://schemas.openxmlformats.org/officeDocument/2006/relationships" xmlns:p="http://schemas.openxmlformats.org/presentationml/2006/main">
+  <p:cSld>
+    <p:spTree>
+      <p:nvGrpSpPr>
+        <p:cNvPr id="1" name=""/>
+        <p:cNvGrpSpPr/>
+        <p:nvPr/>
+      </p:nvGrpSpPr>
+      <p:grpSpPr>
+        <a:xfrm>
+          <a:off x="0" y="0"/>
+          <a:ext cx="0" cy="0"/>
+          <a:chOff x="0" y="0"/>
+          <a:chExt cx="0" cy="0"/>
+        </a:xfrm>
+      </p:grpSpPr>
+      <p:pic>
+        <p:nvPicPr>
+          <p:cNvPr id="5" name="內容版面配置區 4">
+            <a:extLst>
+              <a:ext uri="{FF2B5EF4-FFF2-40B4-BE49-F238E27FC236}">
+                <a16:creationId xmlns:a16="http://schemas.microsoft.com/office/drawing/2014/main" id="{09E17F34-0F6A-CDF1-3D27-0AB53DC0D13D}"/>
+              </a:ext>
+            </a:extLst>
+          </p:cNvPr>
+          <p:cNvPicPr>
+            <a:picLocks noGrp="1" noChangeAspect="1"/>
+          </p:cNvPicPr>
+          <p:nvPr>
+            <p:ph idx="1"/>
+          </p:nvPr>
+        </p:nvPicPr>
+        <p:blipFill>
+          <a:blip r:embed="rId2"/>
+          <a:stretch>
+            <a:fillRect/>
+          </a:stretch>
+        </p:blipFill>
+        <p:spPr>
+          <a:xfrm>
+            <a:off x="637785" y="1409988"/>
+            <a:ext cx="10916430" cy="5027757"/>
+          </a:xfrm>
+        </p:spPr>
+      </p:pic>
+      <p:sp>
+        <p:nvSpPr>
+          <p:cNvPr id="6" name="文字方塊 5">
+            <a:extLst>
+              <a:ext uri="{FF2B5EF4-FFF2-40B4-BE49-F238E27FC236}">
+                <a16:creationId xmlns:a16="http://schemas.microsoft.com/office/drawing/2014/main" id="{E8E1A82F-6128-4DBA-8FEF-37B271A1D9AF}"/>
+              </a:ext>
+            </a:extLst>
+          </p:cNvPr>
+          <p:cNvSpPr txBox="1"/>
+          <p:nvPr/>
+        </p:nvSpPr>
+        <p:spPr>
+          <a:xfrm>
+            <a:off x="132936" y="151512"/>
+            <a:ext cx="2358787" cy="369332"/>
+          </a:xfrm>
+          <a:prstGeom prst="rect">
+            <a:avLst/>
+          </a:prstGeom>
+          <a:noFill/>
+        </p:spPr>
+        <p:txBody>
+          <a:bodyPr wrap="none" rtlCol="0">
+            <a:spAutoFit/>
+          </a:bodyPr>
+          <a:lstStyle/>
+          <a:p>
+            <a:r>
+              <a:rPr lang="en-US" altLang="zh-TW" u="sng" dirty="0"/>
+              <a:t>Read Test </a:t>
+            </a:r>
+            <a:r>
+              <a:rPr lang="en-US" altLang="zh-TW" u="sng" dirty="0" err="1"/>
+              <a:t>Osc</a:t>
+            </a:r>
+            <a:r>
+              <a:rPr lang="en-US" altLang="zh-TW" u="sng" dirty="0"/>
+              <a:t>. scope </a:t>
+            </a:r>
+            <a:endParaRPr lang="zh-TW" altLang="en-US" u="sng" dirty="0"/>
+          </a:p>
+        </p:txBody>
+      </p:sp>
+    </p:spTree>
+    <p:extLst>
+      <p:ext uri="{BB962C8B-B14F-4D97-AF65-F5344CB8AC3E}">
+        <p14:creationId xmlns:p14="http://schemas.microsoft.com/office/powerpoint/2010/main" val="1743221144"/>
       </p:ext>
     </p:extLst>
   </p:cSld>
@@ -5375,36 +5681,6 @@
           <a:chExt cx="0" cy="0"/>
         </a:xfrm>
       </p:grpSpPr>
-      <p:pic>
-        <p:nvPicPr>
-          <p:cNvPr id="7" name="圖片 6">
-            <a:extLst>
-              <a:ext uri="{FF2B5EF4-FFF2-40B4-BE49-F238E27FC236}">
-                <a16:creationId xmlns:a16="http://schemas.microsoft.com/office/drawing/2014/main" id="{1C182890-3E60-3A31-E142-2BC7BBA4ADA8}"/>
-              </a:ext>
-            </a:extLst>
-          </p:cNvPr>
-          <p:cNvPicPr>
-            <a:picLocks noChangeAspect="1"/>
-          </p:cNvPicPr>
-          <p:nvPr/>
-        </p:nvPicPr>
-        <p:blipFill>
-          <a:blip r:embed="rId2"/>
-          <a:stretch>
-            <a:fillRect/>
-          </a:stretch>
-        </p:blipFill>
-        <p:spPr>
-          <a:xfrm>
-            <a:off x="0" y="916436"/>
-            <a:ext cx="12192000" cy="5025128"/>
-          </a:xfrm>
-          <a:prstGeom prst="rect">
-            <a:avLst/>
-          </a:prstGeom>
-        </p:spPr>
-      </p:pic>
       <p:sp>
         <p:nvSpPr>
           <p:cNvPr id="2" name="文字方塊 1">
@@ -5419,7 +5695,7 @@
         </p:nvSpPr>
         <p:spPr>
           <a:xfrm>
-            <a:off x="413276" y="283461"/>
+            <a:off x="173130" y="1005664"/>
             <a:ext cx="1997022" cy="369332"/>
           </a:xfrm>
           <a:prstGeom prst="rect">
@@ -5443,10 +5719,10 @@
       </p:sp>
       <p:grpSp>
         <p:nvGrpSpPr>
-          <p:cNvPr id="10" name="群組 9">
-            <a:extLst>
-              <a:ext uri="{FF2B5EF4-FFF2-40B4-BE49-F238E27FC236}">
-                <a16:creationId xmlns:a16="http://schemas.microsoft.com/office/drawing/2014/main" id="{F5191548-DC43-6BE3-7E6F-60AF3683B9ED}"/>
+          <p:cNvPr id="3" name="群組 2">
+            <a:extLst>
+              <a:ext uri="{FF2B5EF4-FFF2-40B4-BE49-F238E27FC236}">
+                <a16:creationId xmlns:a16="http://schemas.microsoft.com/office/drawing/2014/main" id="{AC554228-BC71-9329-3711-6B6BB912BB3F}"/>
               </a:ext>
             </a:extLst>
           </p:cNvPr>
@@ -5455,115 +5731,215 @@
         </p:nvGrpSpPr>
         <p:grpSpPr>
           <a:xfrm>
-            <a:off x="1279345" y="1380935"/>
-            <a:ext cx="6769080" cy="3739320"/>
-            <a:chOff x="1279345" y="1380935"/>
-            <a:chExt cx="6769080" cy="3739320"/>
+            <a:off x="0" y="1729236"/>
+            <a:ext cx="12192000" cy="5025128"/>
+            <a:chOff x="0" y="916436"/>
+            <a:chExt cx="12192000" cy="5025128"/>
           </a:xfrm>
         </p:grpSpPr>
-        <mc:AlternateContent xmlns:mc="http://schemas.openxmlformats.org/markup-compatibility/2006" xmlns:p14="http://schemas.microsoft.com/office/powerpoint/2010/main">
-          <mc:Choice Requires="p14">
-            <p:contentPart p14:bwMode="auto" r:id="rId3">
-              <p14:nvContentPartPr>
-                <p14:cNvPr id="8" name="筆跡 7">
-                  <a:extLst>
-                    <a:ext uri="{FF2B5EF4-FFF2-40B4-BE49-F238E27FC236}">
-                      <a16:creationId xmlns:a16="http://schemas.microsoft.com/office/drawing/2014/main" id="{D79D24B2-3E65-AEE2-91B3-109FA9D2E7B5}"/>
-                    </a:ext>
-                  </a:extLst>
-                </p14:cNvPr>
-                <p14:cNvContentPartPr/>
-                <p14:nvPr/>
-              </p14:nvContentPartPr>
-              <p14:xfrm>
-                <a:off x="1279345" y="1380935"/>
-                <a:ext cx="6769080" cy="3739320"/>
-              </p14:xfrm>
-            </p:contentPart>
-          </mc:Choice>
-          <mc:Fallback xmlns="">
-            <p:pic>
-              <p:nvPicPr>
-                <p:cNvPr id="8" name="筆跡 7">
-                  <a:extLst>
-                    <a:ext uri="{FF2B5EF4-FFF2-40B4-BE49-F238E27FC236}">
-                      <a16:creationId xmlns:a16="http://schemas.microsoft.com/office/drawing/2014/main" id="{D79D24B2-3E65-AEE2-91B3-109FA9D2E7B5}"/>
-                    </a:ext>
-                  </a:extLst>
-                </p:cNvPr>
-                <p:cNvPicPr/>
-                <p:nvPr/>
-              </p:nvPicPr>
-              <p:blipFill>
-                <a:blip r:embed="rId4"/>
-                <a:stretch>
-                  <a:fillRect/>
-                </a:stretch>
-              </p:blipFill>
-              <p:spPr>
-                <a:xfrm>
-                  <a:off x="1261705" y="1363295"/>
-                  <a:ext cx="6804720" cy="3774960"/>
-                </a:xfrm>
-                <a:prstGeom prst="rect">
-                  <a:avLst/>
-                </a:prstGeom>
-              </p:spPr>
-            </p:pic>
-          </mc:Fallback>
-        </mc:AlternateContent>
-        <mc:AlternateContent xmlns:mc="http://schemas.openxmlformats.org/markup-compatibility/2006" xmlns:p14="http://schemas.microsoft.com/office/powerpoint/2010/main">
-          <mc:Choice Requires="p14">
-            <p:contentPart p14:bwMode="auto" r:id="rId5">
-              <p14:nvContentPartPr>
-                <p14:cNvPr id="9" name="筆跡 8">
-                  <a:extLst>
-                    <a:ext uri="{FF2B5EF4-FFF2-40B4-BE49-F238E27FC236}">
-                      <a16:creationId xmlns:a16="http://schemas.microsoft.com/office/drawing/2014/main" id="{6F2C0F5A-7524-809A-76D9-28918537646E}"/>
-                    </a:ext>
-                  </a:extLst>
-                </p14:cNvPr>
-                <p14:cNvContentPartPr/>
-                <p14:nvPr/>
-              </p14:nvContentPartPr>
-              <p14:xfrm>
-                <a:off x="1537825" y="2089415"/>
-                <a:ext cx="214920" cy="168840"/>
-              </p14:xfrm>
-            </p:contentPart>
-          </mc:Choice>
-          <mc:Fallback xmlns="">
-            <p:pic>
-              <p:nvPicPr>
-                <p:cNvPr id="9" name="筆跡 8">
-                  <a:extLst>
-                    <a:ext uri="{FF2B5EF4-FFF2-40B4-BE49-F238E27FC236}">
-                      <a16:creationId xmlns:a16="http://schemas.microsoft.com/office/drawing/2014/main" id="{6F2C0F5A-7524-809A-76D9-28918537646E}"/>
-                    </a:ext>
-                  </a:extLst>
-                </p:cNvPr>
-                <p:cNvPicPr/>
-                <p:nvPr/>
-              </p:nvPicPr>
-              <p:blipFill>
-                <a:blip r:embed="rId6"/>
-                <a:stretch>
-                  <a:fillRect/>
-                </a:stretch>
-              </p:blipFill>
-              <p:spPr>
-                <a:xfrm>
-                  <a:off x="1519825" y="2071775"/>
-                  <a:ext cx="250560" cy="204480"/>
-                </a:xfrm>
-                <a:prstGeom prst="rect">
-                  <a:avLst/>
-                </a:prstGeom>
-              </p:spPr>
-            </p:pic>
-          </mc:Fallback>
-        </mc:AlternateContent>
+        <p:pic>
+          <p:nvPicPr>
+            <p:cNvPr id="7" name="圖片 6">
+              <a:extLst>
+                <a:ext uri="{FF2B5EF4-FFF2-40B4-BE49-F238E27FC236}">
+                  <a16:creationId xmlns:a16="http://schemas.microsoft.com/office/drawing/2014/main" id="{1C182890-3E60-3A31-E142-2BC7BBA4ADA8}"/>
+                </a:ext>
+              </a:extLst>
+            </p:cNvPr>
+            <p:cNvPicPr>
+              <a:picLocks noChangeAspect="1"/>
+            </p:cNvPicPr>
+            <p:nvPr/>
+          </p:nvPicPr>
+          <p:blipFill>
+            <a:blip r:embed="rId2"/>
+            <a:stretch>
+              <a:fillRect/>
+            </a:stretch>
+          </p:blipFill>
+          <p:spPr>
+            <a:xfrm>
+              <a:off x="0" y="916436"/>
+              <a:ext cx="12192000" cy="5025128"/>
+            </a:xfrm>
+            <a:prstGeom prst="rect">
+              <a:avLst/>
+            </a:prstGeom>
+          </p:spPr>
+        </p:pic>
+        <p:grpSp>
+          <p:nvGrpSpPr>
+            <p:cNvPr id="10" name="群組 9">
+              <a:extLst>
+                <a:ext uri="{FF2B5EF4-FFF2-40B4-BE49-F238E27FC236}">
+                  <a16:creationId xmlns:a16="http://schemas.microsoft.com/office/drawing/2014/main" id="{F5191548-DC43-6BE3-7E6F-60AF3683B9ED}"/>
+                </a:ext>
+              </a:extLst>
+            </p:cNvPr>
+            <p:cNvGrpSpPr/>
+            <p:nvPr/>
+          </p:nvGrpSpPr>
+          <p:grpSpPr>
+            <a:xfrm>
+              <a:off x="1279345" y="1380935"/>
+              <a:ext cx="6769080" cy="3739320"/>
+              <a:chOff x="1279345" y="1380935"/>
+              <a:chExt cx="6769080" cy="3739320"/>
+            </a:xfrm>
+          </p:grpSpPr>
+          <mc:AlternateContent xmlns:mc="http://schemas.openxmlformats.org/markup-compatibility/2006" xmlns:p14="http://schemas.microsoft.com/office/powerpoint/2010/main">
+            <mc:Choice Requires="p14">
+              <p:contentPart p14:bwMode="auto" r:id="rId3">
+                <p14:nvContentPartPr>
+                  <p14:cNvPr id="8" name="筆跡 7">
+                    <a:extLst>
+                      <a:ext uri="{FF2B5EF4-FFF2-40B4-BE49-F238E27FC236}">
+                        <a16:creationId xmlns:a16="http://schemas.microsoft.com/office/drawing/2014/main" id="{D79D24B2-3E65-AEE2-91B3-109FA9D2E7B5}"/>
+                      </a:ext>
+                    </a:extLst>
+                  </p14:cNvPr>
+                  <p14:cNvContentPartPr/>
+                  <p14:nvPr/>
+                </p14:nvContentPartPr>
+                <p14:xfrm>
+                  <a:off x="1279345" y="1380935"/>
+                  <a:ext cx="6769080" cy="3739320"/>
+                </p14:xfrm>
+              </p:contentPart>
+            </mc:Choice>
+            <mc:Fallback xmlns="">
+              <p:pic>
+                <p:nvPicPr>
+                  <p:cNvPr id="8" name="筆跡 7">
+                    <a:extLst>
+                      <a:ext uri="{FF2B5EF4-FFF2-40B4-BE49-F238E27FC236}">
+                        <a16:creationId xmlns:a16="http://schemas.microsoft.com/office/drawing/2014/main" id="{D79D24B2-3E65-AEE2-91B3-109FA9D2E7B5}"/>
+                      </a:ext>
+                    </a:extLst>
+                  </p:cNvPr>
+                  <p:cNvPicPr/>
+                  <p:nvPr/>
+                </p:nvPicPr>
+                <p:blipFill>
+                  <a:blip r:embed="rId4"/>
+                  <a:stretch>
+                    <a:fillRect/>
+                  </a:stretch>
+                </p:blipFill>
+                <p:spPr>
+                  <a:xfrm>
+                    <a:off x="1261705" y="1363295"/>
+                    <a:ext cx="6804720" cy="3774960"/>
+                  </a:xfrm>
+                  <a:prstGeom prst="rect">
+                    <a:avLst/>
+                  </a:prstGeom>
+                </p:spPr>
+              </p:pic>
+            </mc:Fallback>
+          </mc:AlternateContent>
+          <mc:AlternateContent xmlns:mc="http://schemas.openxmlformats.org/markup-compatibility/2006" xmlns:p14="http://schemas.microsoft.com/office/powerpoint/2010/main">
+            <mc:Choice Requires="p14">
+              <p:contentPart p14:bwMode="auto" r:id="rId5">
+                <p14:nvContentPartPr>
+                  <p14:cNvPr id="9" name="筆跡 8">
+                    <a:extLst>
+                      <a:ext uri="{FF2B5EF4-FFF2-40B4-BE49-F238E27FC236}">
+                        <a16:creationId xmlns:a16="http://schemas.microsoft.com/office/drawing/2014/main" id="{6F2C0F5A-7524-809A-76D9-28918537646E}"/>
+                      </a:ext>
+                    </a:extLst>
+                  </p14:cNvPr>
+                  <p14:cNvContentPartPr/>
+                  <p14:nvPr/>
+                </p14:nvContentPartPr>
+                <p14:xfrm>
+                  <a:off x="1537825" y="2089415"/>
+                  <a:ext cx="214920" cy="168840"/>
+                </p14:xfrm>
+              </p:contentPart>
+            </mc:Choice>
+            <mc:Fallback xmlns="">
+              <p:pic>
+                <p:nvPicPr>
+                  <p:cNvPr id="9" name="筆跡 8">
+                    <a:extLst>
+                      <a:ext uri="{FF2B5EF4-FFF2-40B4-BE49-F238E27FC236}">
+                        <a16:creationId xmlns:a16="http://schemas.microsoft.com/office/drawing/2014/main" id="{6F2C0F5A-7524-809A-76D9-28918537646E}"/>
+                      </a:ext>
+                    </a:extLst>
+                  </p:cNvPr>
+                  <p:cNvPicPr/>
+                  <p:nvPr/>
+                </p:nvPicPr>
+                <p:blipFill>
+                  <a:blip r:embed="rId6"/>
+                  <a:stretch>
+                    <a:fillRect/>
+                  </a:stretch>
+                </p:blipFill>
+                <p:spPr>
+                  <a:xfrm>
+                    <a:off x="1519825" y="2071775"/>
+                    <a:ext cx="250560" cy="204480"/>
+                  </a:xfrm>
+                  <a:prstGeom prst="rect">
+                    <a:avLst/>
+                  </a:prstGeom>
+                </p:spPr>
+              </p:pic>
+            </mc:Fallback>
+          </mc:AlternateContent>
+        </p:grpSp>
       </p:grpSp>
+      <p:sp>
+        <p:nvSpPr>
+          <p:cNvPr id="4" name="文字方塊 3">
+            <a:extLst>
+              <a:ext uri="{FF2B5EF4-FFF2-40B4-BE49-F238E27FC236}">
+                <a16:creationId xmlns:a16="http://schemas.microsoft.com/office/drawing/2014/main" id="{CCBE4AD6-8807-064A-45C2-703BBC15E382}"/>
+              </a:ext>
+            </a:extLst>
+          </p:cNvPr>
+          <p:cNvSpPr txBox="1"/>
+          <p:nvPr/>
+        </p:nvSpPr>
+        <p:spPr>
+          <a:xfrm>
+            <a:off x="187093" y="265584"/>
+            <a:ext cx="1258678" cy="338554"/>
+          </a:xfrm>
+          <a:prstGeom prst="rect">
+            <a:avLst/>
+          </a:prstGeom>
+          <a:noFill/>
+        </p:spPr>
+        <p:txBody>
+          <a:bodyPr wrap="none" rtlCol="0">
+            <a:spAutoFit/>
+          </a:bodyPr>
+          <a:lstStyle/>
+          <a:p>
+            <a:r>
+              <a:rPr lang="zh-TW" altLang="en-US" sz="1600" dirty="0">
+                <a:latin typeface="微軟正黑體" panose="020B0604030504040204" pitchFamily="34" charset="-120"/>
+                <a:ea typeface="微軟正黑體" panose="020B0604030504040204" pitchFamily="34" charset="-120"/>
+              </a:rPr>
+              <a:t>狀態變遷圖</a:t>
+            </a:r>
+            <a:r>
+              <a:rPr lang="en-US" altLang="zh-TW" sz="1600" dirty="0">
+                <a:latin typeface="微軟正黑體" panose="020B0604030504040204" pitchFamily="34" charset="-120"/>
+                <a:ea typeface="微軟正黑體" panose="020B0604030504040204" pitchFamily="34" charset="-120"/>
+              </a:rPr>
+              <a:t>:</a:t>
+            </a:r>
+            <a:endParaRPr lang="zh-TW" altLang="en-US" sz="1600" dirty="0">
+              <a:latin typeface="微軟正黑體" panose="020B0604030504040204" pitchFamily="34" charset="-120"/>
+              <a:ea typeface="微軟正黑體" panose="020B0604030504040204" pitchFamily="34" charset="-120"/>
+            </a:endParaRPr>
+          </a:p>
+        </p:txBody>
+      </p:sp>
     </p:spTree>
     <p:extLst>
       <p:ext uri="{BB962C8B-B14F-4D97-AF65-F5344CB8AC3E}">
@@ -5616,7 +5992,7 @@
         </p:blipFill>
         <p:spPr>
           <a:xfrm>
-            <a:off x="0" y="916436"/>
+            <a:off x="0" y="1832872"/>
             <a:ext cx="12192000" cy="5025128"/>
           </a:xfrm>
           <a:prstGeom prst="rect">
@@ -5638,7 +6014,7 @@
         </p:nvSpPr>
         <p:spPr>
           <a:xfrm>
-            <a:off x="413276" y="283461"/>
+            <a:off x="413276" y="1199897"/>
             <a:ext cx="1931298" cy="369332"/>
           </a:xfrm>
           <a:prstGeom prst="rect">
@@ -5674,7 +6050,7 @@
         </p:nvGrpSpPr>
         <p:grpSpPr>
           <a:xfrm>
-            <a:off x="1619545" y="1494335"/>
+            <a:off x="1619545" y="2410771"/>
             <a:ext cx="6240960" cy="3553200"/>
             <a:chOff x="1619545" y="1494335"/>
             <a:chExt cx="6240960" cy="3553200"/>
@@ -5797,7 +6173,7 @@
         </p:nvGrpSpPr>
         <p:grpSpPr>
           <a:xfrm>
-            <a:off x="3228385" y="1962695"/>
+            <a:off x="3228385" y="2879131"/>
             <a:ext cx="183240" cy="288360"/>
             <a:chOff x="3228385" y="1962695"/>
             <a:chExt cx="183240" cy="288360"/>
@@ -5920,7 +6296,7 @@
         </p:nvGrpSpPr>
         <p:grpSpPr>
           <a:xfrm>
-            <a:off x="1110865" y="746615"/>
+            <a:off x="1110865" y="1663051"/>
             <a:ext cx="9986400" cy="5073840"/>
             <a:chOff x="1110865" y="746615"/>
             <a:chExt cx="9986400" cy="5073840"/>
@@ -6043,7 +6419,7 @@
         </p:nvGrpSpPr>
         <p:grpSpPr>
           <a:xfrm>
-            <a:off x="639265" y="2807615"/>
+            <a:off x="639265" y="3724051"/>
             <a:ext cx="430920" cy="402480"/>
             <a:chOff x="639265" y="2807615"/>
             <a:chExt cx="430920" cy="402480"/>
@@ -6166,7 +6542,7 @@
         </p:nvSpPr>
         <p:spPr>
           <a:xfrm>
-            <a:off x="140166" y="4520526"/>
+            <a:off x="140166" y="5436962"/>
             <a:ext cx="917239" cy="523220"/>
           </a:xfrm>
           <a:prstGeom prst="rect">
@@ -6221,7 +6597,7 @@
         </p:nvSpPr>
         <p:spPr>
           <a:xfrm>
-            <a:off x="4421220" y="3832417"/>
+            <a:off x="4421220" y="4748853"/>
             <a:ext cx="917239" cy="523220"/>
           </a:xfrm>
           <a:prstGeom prst="rect">
@@ -6259,6 +6635,55 @@
               </a:rPr>
               <a:t> 判斷</a:t>
             </a:r>
+          </a:p>
+        </p:txBody>
+      </p:sp>
+      <p:sp>
+        <p:nvSpPr>
+          <p:cNvPr id="3" name="文字方塊 2">
+            <a:extLst>
+              <a:ext uri="{FF2B5EF4-FFF2-40B4-BE49-F238E27FC236}">
+                <a16:creationId xmlns:a16="http://schemas.microsoft.com/office/drawing/2014/main" id="{434C433F-EFD9-5E86-E7C7-2FF747CE7394}"/>
+              </a:ext>
+            </a:extLst>
+          </p:cNvPr>
+          <p:cNvSpPr txBox="1"/>
+          <p:nvPr/>
+        </p:nvSpPr>
+        <p:spPr>
+          <a:xfrm>
+            <a:off x="187093" y="265584"/>
+            <a:ext cx="1258678" cy="338554"/>
+          </a:xfrm>
+          <a:prstGeom prst="rect">
+            <a:avLst/>
+          </a:prstGeom>
+          <a:noFill/>
+        </p:spPr>
+        <p:txBody>
+          <a:bodyPr wrap="none" rtlCol="0">
+            <a:spAutoFit/>
+          </a:bodyPr>
+          <a:lstStyle/>
+          <a:p>
+            <a:r>
+              <a:rPr lang="zh-TW" altLang="en-US" sz="1600" dirty="0">
+                <a:latin typeface="微軟正黑體" panose="020B0604030504040204" pitchFamily="34" charset="-120"/>
+                <a:ea typeface="微軟正黑體" panose="020B0604030504040204" pitchFamily="34" charset="-120"/>
+              </a:rPr>
+              <a:t>狀態變遷圖</a:t>
+            </a:r>
+            <a:r>
+              <a:rPr lang="en-US" altLang="zh-TW" sz="1600" dirty="0">
+                <a:latin typeface="微軟正黑體" panose="020B0604030504040204" pitchFamily="34" charset="-120"/>
+                <a:ea typeface="微軟正黑體" panose="020B0604030504040204" pitchFamily="34" charset="-120"/>
+              </a:rPr>
+              <a:t>:</a:t>
+            </a:r>
+            <a:endParaRPr lang="zh-TW" altLang="en-US" sz="1600" dirty="0">
+              <a:latin typeface="微軟正黑體" panose="020B0604030504040204" pitchFamily="34" charset="-120"/>
+              <a:ea typeface="微軟正黑體" panose="020B0604030504040204" pitchFamily="34" charset="-120"/>
+            </a:endParaRPr>
           </a:p>
         </p:txBody>
       </p:sp>
@@ -7382,7 +7807,7 @@
             <p:ph idx="1"/>
             <p:extLst>
               <p:ext uri="{D42A27DB-BD31-4B8C-83A1-F6EECF244321}">
-                <p14:modId xmlns:p14="http://schemas.microsoft.com/office/powerpoint/2010/main" val="877779399"/>
+                <p14:modId xmlns:p14="http://schemas.microsoft.com/office/powerpoint/2010/main" val="585503913"/>
               </p:ext>
             </p:extLst>
           </p:nvPr>
@@ -9152,7 +9577,7 @@
                       <a:pPr algn="ctr"/>
                       <a:r>
                         <a:rPr lang="en-US" altLang="zh-TW" dirty="0"/>
-                        <a:t>1</a:t>
+                        <a:t>0</a:t>
                       </a:r>
                       <a:endParaRPr lang="zh-TW" altLang="en-US" dirty="0"/>
                     </a:p>
@@ -9181,18 +9606,15 @@
                         <a:tabLst/>
                         <a:defRPr/>
                       </a:pPr>
-                      <a:r>
-                        <a:rPr lang="en-US" altLang="zh-TW" sz="1800" b="0" kern="1200" dirty="0">
-                          <a:solidFill>
-                            <a:schemeClr val="dk1"/>
-                          </a:solidFill>
-                          <a:effectLst/>
-                          <a:latin typeface="+mn-lt"/>
-                          <a:ea typeface="+mn-ea"/>
-                          <a:cs typeface="+mn-cs"/>
-                        </a:rPr>
-                        <a:t>1</a:t>
-                      </a:r>
+                      <a:endParaRPr lang="en-US" altLang="zh-TW" sz="1800" b="0" kern="1200" dirty="0">
+                        <a:solidFill>
+                          <a:schemeClr val="dk1"/>
+                        </a:solidFill>
+                        <a:effectLst/>
+                        <a:latin typeface="+mn-lt"/>
+                        <a:ea typeface="+mn-ea"/>
+                        <a:cs typeface="+mn-cs"/>
+                      </a:endParaRPr>
                     </a:p>
                   </a:txBody>
                   <a:tcPr/>
